--- a/pristatymas LIT2133421.pptx
+++ b/pristatymas LIT2133421.pptx
@@ -4480,7 +4480,7 @@
         </p:nvSpPr>
         <p:spPr>
           <a:xfrm>
-            <a:off x="255037" y="2233127"/>
+            <a:off x="255037" y="2071395"/>
             <a:ext cx="11644603" cy="1446550"/>
           </a:xfrm>
           <a:prstGeom prst="rect">
@@ -4541,7 +4541,7 @@
       </p:sp>
       <p:pic>
         <p:nvPicPr>
-          <p:cNvPr id="10" name="Paveikslėlis 9"/>
+          <p:cNvPr id="14" name="Paveikslėlis 13"/>
           <p:cNvPicPr>
             <a:picLocks noChangeAspect="1"/>
           </p:cNvPicPr>
@@ -4561,7 +4561,7 @@
         </p:blipFill>
         <p:spPr>
           <a:xfrm>
-            <a:off x="4817338" y="4040155"/>
+            <a:off x="1508449" y="3694925"/>
             <a:ext cx="2520000" cy="2520000"/>
           </a:xfrm>
           <a:prstGeom prst="rect">
@@ -4571,7 +4571,7 @@
       </p:pic>
       <p:pic>
         <p:nvPicPr>
-          <p:cNvPr id="11" name="Paveikslėlis 10"/>
+          <p:cNvPr id="15" name="Paveikslėlis 14"/>
           <p:cNvPicPr>
             <a:picLocks noChangeAspect="1"/>
           </p:cNvPicPr>
@@ -4591,7 +4591,7 @@
         </p:blipFill>
         <p:spPr>
           <a:xfrm>
-            <a:off x="1508449" y="4040155"/>
+            <a:off x="4817338" y="3694925"/>
             <a:ext cx="2520000" cy="2520000"/>
           </a:xfrm>
           <a:prstGeom prst="rect">
@@ -4599,9 +4599,62 @@
           </a:prstGeom>
         </p:spPr>
       </p:pic>
+      <p:sp>
+        <p:nvSpPr>
+          <p:cNvPr id="16" name="TextBox 15"/>
+          <p:cNvSpPr txBox="1"/>
+          <p:nvPr/>
+        </p:nvSpPr>
+        <p:spPr>
+          <a:xfrm>
+            <a:off x="1828206" y="6307183"/>
+            <a:ext cx="1880486" cy="369332"/>
+          </a:xfrm>
+          <a:prstGeom prst="rect">
+            <a:avLst/>
+          </a:prstGeom>
+          <a:noFill/>
+        </p:spPr>
+        <p:txBody>
+          <a:bodyPr wrap="square" rtlCol="0">
+            <a:spAutoFit/>
+          </a:bodyPr>
+          <a:lstStyle/>
+          <a:p>
+            <a:pPr algn="ctr"/>
+            <a:r>
+              <a:rPr lang="lt-LT" dirty="0" err="1" smtClean="0">
+                <a:solidFill>
+                  <a:schemeClr val="tx2">
+                    <a:lumMod val="75000"/>
+                  </a:schemeClr>
+                </a:solidFill>
+              </a:rPr>
+              <a:t>Real</a:t>
+            </a:r>
+            <a:r>
+              <a:rPr lang="lt-LT" dirty="0" smtClean="0">
+                <a:solidFill>
+                  <a:schemeClr val="tx2">
+                    <a:lumMod val="75000"/>
+                  </a:schemeClr>
+                </a:solidFill>
+              </a:rPr>
+              <a:t> data</a:t>
+            </a:r>
+            <a:endParaRPr lang="en-GB" dirty="0">
+              <a:solidFill>
+                <a:schemeClr val="tx2">
+                  <a:lumMod val="75000"/>
+                </a:schemeClr>
+              </a:solidFill>
+            </a:endParaRPr>
+          </a:p>
+        </p:txBody>
+      </p:sp>
       <p:pic>
         <p:nvPicPr>
-          <p:cNvPr id="12" name="Paveikslėlis 11"/>
+          <p:cNvPr id="18" name="Paveikslėlis 17"/>
           <p:cNvPicPr>
             <a:picLocks noChangeAspect="1"/>
           </p:cNvPicPr>
@@ -4621,7 +4674,7 @@
         </p:blipFill>
         <p:spPr>
           <a:xfrm>
-            <a:off x="8126227" y="4040155"/>
+            <a:off x="8052319" y="3694925"/>
             <a:ext cx="2520000" cy="2520000"/>
           </a:xfrm>
           <a:prstGeom prst="rect">
@@ -4629,6 +4682,172 @@
           </a:prstGeom>
         </p:spPr>
       </p:pic>
+      <p:sp>
+        <p:nvSpPr>
+          <p:cNvPr id="19" name="TextBox 18"/>
+          <p:cNvSpPr txBox="1"/>
+          <p:nvPr/>
+        </p:nvSpPr>
+        <p:spPr>
+          <a:xfrm>
+            <a:off x="4422893" y="6307183"/>
+            <a:ext cx="3308889" cy="338554"/>
+          </a:xfrm>
+          <a:prstGeom prst="rect">
+            <a:avLst/>
+          </a:prstGeom>
+          <a:noFill/>
+        </p:spPr>
+        <p:txBody>
+          <a:bodyPr wrap="square" rtlCol="0">
+            <a:spAutoFit/>
+          </a:bodyPr>
+          <a:lstStyle/>
+          <a:p>
+            <a:pPr algn="ctr"/>
+            <a:r>
+              <a:rPr lang="lt-LT" sz="1600" dirty="0" err="1" smtClean="0">
+                <a:solidFill>
+                  <a:schemeClr val="tx2">
+                    <a:lumMod val="75000"/>
+                  </a:schemeClr>
+                </a:solidFill>
+              </a:rPr>
+              <a:t>Synthetic</a:t>
+            </a:r>
+            <a:r>
+              <a:rPr lang="lt-LT" sz="1600" dirty="0" smtClean="0">
+                <a:solidFill>
+                  <a:schemeClr val="tx2">
+                    <a:lumMod val="75000"/>
+                  </a:schemeClr>
+                </a:solidFill>
+              </a:rPr>
+              <a:t> data </a:t>
+            </a:r>
+            <a:r>
+              <a:rPr lang="lt-LT" sz="1600" dirty="0" err="1" smtClean="0">
+                <a:solidFill>
+                  <a:schemeClr val="tx2">
+                    <a:lumMod val="75000"/>
+                  </a:schemeClr>
+                </a:solidFill>
+              </a:rPr>
+              <a:t>with</a:t>
+            </a:r>
+            <a:r>
+              <a:rPr lang="lt-LT" sz="1600" dirty="0" smtClean="0">
+                <a:solidFill>
+                  <a:schemeClr val="tx2">
+                    <a:lumMod val="75000"/>
+                  </a:schemeClr>
+                </a:solidFill>
+              </a:rPr>
+              <a:t> </a:t>
+            </a:r>
+            <a:r>
+              <a:rPr lang="lt-LT" sz="1600" dirty="0" err="1" smtClean="0">
+                <a:solidFill>
+                  <a:schemeClr val="tx2">
+                    <a:lumMod val="75000"/>
+                  </a:schemeClr>
+                </a:solidFill>
+              </a:rPr>
+              <a:t>background</a:t>
+            </a:r>
+            <a:endParaRPr lang="en-GB" sz="1600" dirty="0">
+              <a:solidFill>
+                <a:schemeClr val="tx2">
+                  <a:lumMod val="75000"/>
+                </a:schemeClr>
+              </a:solidFill>
+            </a:endParaRPr>
+          </a:p>
+        </p:txBody>
+      </p:sp>
+      <p:sp>
+        <p:nvSpPr>
+          <p:cNvPr id="20" name="TextBox 19"/>
+          <p:cNvSpPr txBox="1"/>
+          <p:nvPr/>
+        </p:nvSpPr>
+        <p:spPr>
+          <a:xfrm>
+            <a:off x="7657874" y="6298008"/>
+            <a:ext cx="3308889" cy="338554"/>
+          </a:xfrm>
+          <a:prstGeom prst="rect">
+            <a:avLst/>
+          </a:prstGeom>
+          <a:noFill/>
+        </p:spPr>
+        <p:txBody>
+          <a:bodyPr wrap="square" rtlCol="0">
+            <a:spAutoFit/>
+          </a:bodyPr>
+          <a:lstStyle/>
+          <a:p>
+            <a:pPr algn="ctr"/>
+            <a:r>
+              <a:rPr lang="lt-LT" sz="1600" dirty="0" err="1" smtClean="0">
+                <a:solidFill>
+                  <a:schemeClr val="tx2">
+                    <a:lumMod val="75000"/>
+                  </a:schemeClr>
+                </a:solidFill>
+              </a:rPr>
+              <a:t>Synthetic</a:t>
+            </a:r>
+            <a:r>
+              <a:rPr lang="lt-LT" sz="1600" dirty="0" smtClean="0">
+                <a:solidFill>
+                  <a:schemeClr val="tx2">
+                    <a:lumMod val="75000"/>
+                  </a:schemeClr>
+                </a:solidFill>
+              </a:rPr>
+              <a:t> data </a:t>
+            </a:r>
+            <a:r>
+              <a:rPr lang="lt-LT" sz="1600" dirty="0" err="1" smtClean="0">
+                <a:solidFill>
+                  <a:schemeClr val="tx2">
+                    <a:lumMod val="75000"/>
+                  </a:schemeClr>
+                </a:solidFill>
+              </a:rPr>
+              <a:t>without</a:t>
+            </a:r>
+            <a:r>
+              <a:rPr lang="lt-LT" sz="1600" dirty="0" smtClean="0">
+                <a:solidFill>
+                  <a:schemeClr val="tx2">
+                    <a:lumMod val="75000"/>
+                  </a:schemeClr>
+                </a:solidFill>
+              </a:rPr>
+              <a:t> </a:t>
+            </a:r>
+            <a:r>
+              <a:rPr lang="lt-LT" sz="1600" dirty="0" err="1" smtClean="0">
+                <a:solidFill>
+                  <a:schemeClr val="tx2">
+                    <a:lumMod val="75000"/>
+                  </a:schemeClr>
+                </a:solidFill>
+              </a:rPr>
+              <a:t>background</a:t>
+            </a:r>
+            <a:endParaRPr lang="en-GB" sz="1600" dirty="0">
+              <a:solidFill>
+                <a:schemeClr val="tx2">
+                  <a:lumMod val="75000"/>
+                </a:schemeClr>
+              </a:solidFill>
+            </a:endParaRPr>
+          </a:p>
+        </p:txBody>
+      </p:sp>
     </p:spTree>
     <p:extLst>
       <p:ext uri="{BB962C8B-B14F-4D97-AF65-F5344CB8AC3E}">
@@ -4660,7 +4879,7 @@
                             </p:stCondLst>
                             <p:childTnLst>
                               <p:par>
-                                <p:cTn id="5" presetID="10" presetClass="entr" presetSubtype="0" fill="hold" grpId="0" nodeType="clickEffect">
+                                <p:cTn id="5" presetID="10" presetClass="entr" presetSubtype="0" fill="hold" nodeType="clickEffect">
                                   <p:stCondLst>
                                     <p:cond delay="0"/>
                                   </p:stCondLst>
@@ -4668,6 +4887,216 @@
                                     <p:set>
                                       <p:cBhvr>
                                         <p:cTn id="6" dur="1" fill="hold">
+                                          <p:stCondLst>
+                                            <p:cond delay="0"/>
+                                          </p:stCondLst>
+                                        </p:cTn>
+                                        <p:tgtEl>
+                                          <p:spTgt spid="14"/>
+                                        </p:tgtEl>
+                                        <p:attrNameLst>
+                                          <p:attrName>style.visibility</p:attrName>
+                                        </p:attrNameLst>
+                                      </p:cBhvr>
+                                      <p:to>
+                                        <p:strVal val="visible"/>
+                                      </p:to>
+                                    </p:set>
+                                    <p:animEffect transition="in" filter="fade">
+                                      <p:cBhvr>
+                                        <p:cTn id="7" dur="500"/>
+                                        <p:tgtEl>
+                                          <p:spTgt spid="14"/>
+                                        </p:tgtEl>
+                                      </p:cBhvr>
+                                    </p:animEffect>
+                                  </p:childTnLst>
+                                </p:cTn>
+                              </p:par>
+                              <p:par>
+                                <p:cTn id="8" presetID="10" presetClass="entr" presetSubtype="0" fill="hold" nodeType="withEffect">
+                                  <p:stCondLst>
+                                    <p:cond delay="0"/>
+                                  </p:stCondLst>
+                                  <p:childTnLst>
+                                    <p:set>
+                                      <p:cBhvr>
+                                        <p:cTn id="9" dur="1" fill="hold">
+                                          <p:stCondLst>
+                                            <p:cond delay="0"/>
+                                          </p:stCondLst>
+                                        </p:cTn>
+                                        <p:tgtEl>
+                                          <p:spTgt spid="15"/>
+                                        </p:tgtEl>
+                                        <p:attrNameLst>
+                                          <p:attrName>style.visibility</p:attrName>
+                                        </p:attrNameLst>
+                                      </p:cBhvr>
+                                      <p:to>
+                                        <p:strVal val="visible"/>
+                                      </p:to>
+                                    </p:set>
+                                    <p:animEffect transition="in" filter="fade">
+                                      <p:cBhvr>
+                                        <p:cTn id="10" dur="500"/>
+                                        <p:tgtEl>
+                                          <p:spTgt spid="15"/>
+                                        </p:tgtEl>
+                                      </p:cBhvr>
+                                    </p:animEffect>
+                                  </p:childTnLst>
+                                </p:cTn>
+                              </p:par>
+                              <p:par>
+                                <p:cTn id="11" presetID="10" presetClass="entr" presetSubtype="0" fill="hold" nodeType="withEffect">
+                                  <p:stCondLst>
+                                    <p:cond delay="0"/>
+                                  </p:stCondLst>
+                                  <p:childTnLst>
+                                    <p:set>
+                                      <p:cBhvr>
+                                        <p:cTn id="12" dur="1" fill="hold">
+                                          <p:stCondLst>
+                                            <p:cond delay="0"/>
+                                          </p:stCondLst>
+                                        </p:cTn>
+                                        <p:tgtEl>
+                                          <p:spTgt spid="18"/>
+                                        </p:tgtEl>
+                                        <p:attrNameLst>
+                                          <p:attrName>style.visibility</p:attrName>
+                                        </p:attrNameLst>
+                                      </p:cBhvr>
+                                      <p:to>
+                                        <p:strVal val="visible"/>
+                                      </p:to>
+                                    </p:set>
+                                    <p:animEffect transition="in" filter="fade">
+                                      <p:cBhvr>
+                                        <p:cTn id="13" dur="500"/>
+                                        <p:tgtEl>
+                                          <p:spTgt spid="18"/>
+                                        </p:tgtEl>
+                                      </p:cBhvr>
+                                    </p:animEffect>
+                                  </p:childTnLst>
+                                </p:cTn>
+                              </p:par>
+                              <p:par>
+                                <p:cTn id="14" presetID="10" presetClass="entr" presetSubtype="0" fill="hold" grpId="0" nodeType="withEffect">
+                                  <p:stCondLst>
+                                    <p:cond delay="0"/>
+                                  </p:stCondLst>
+                                  <p:childTnLst>
+                                    <p:set>
+                                      <p:cBhvr>
+                                        <p:cTn id="15" dur="1" fill="hold">
+                                          <p:stCondLst>
+                                            <p:cond delay="0"/>
+                                          </p:stCondLst>
+                                        </p:cTn>
+                                        <p:tgtEl>
+                                          <p:spTgt spid="16"/>
+                                        </p:tgtEl>
+                                        <p:attrNameLst>
+                                          <p:attrName>style.visibility</p:attrName>
+                                        </p:attrNameLst>
+                                      </p:cBhvr>
+                                      <p:to>
+                                        <p:strVal val="visible"/>
+                                      </p:to>
+                                    </p:set>
+                                    <p:animEffect transition="in" filter="fade">
+                                      <p:cBhvr>
+                                        <p:cTn id="16" dur="500"/>
+                                        <p:tgtEl>
+                                          <p:spTgt spid="16"/>
+                                        </p:tgtEl>
+                                      </p:cBhvr>
+                                    </p:animEffect>
+                                  </p:childTnLst>
+                                </p:cTn>
+                              </p:par>
+                              <p:par>
+                                <p:cTn id="17" presetID="10" presetClass="entr" presetSubtype="0" fill="hold" grpId="0" nodeType="withEffect">
+                                  <p:stCondLst>
+                                    <p:cond delay="0"/>
+                                  </p:stCondLst>
+                                  <p:childTnLst>
+                                    <p:set>
+                                      <p:cBhvr>
+                                        <p:cTn id="18" dur="1" fill="hold">
+                                          <p:stCondLst>
+                                            <p:cond delay="0"/>
+                                          </p:stCondLst>
+                                        </p:cTn>
+                                        <p:tgtEl>
+                                          <p:spTgt spid="19"/>
+                                        </p:tgtEl>
+                                        <p:attrNameLst>
+                                          <p:attrName>style.visibility</p:attrName>
+                                        </p:attrNameLst>
+                                      </p:cBhvr>
+                                      <p:to>
+                                        <p:strVal val="visible"/>
+                                      </p:to>
+                                    </p:set>
+                                    <p:animEffect transition="in" filter="fade">
+                                      <p:cBhvr>
+                                        <p:cTn id="19" dur="500"/>
+                                        <p:tgtEl>
+                                          <p:spTgt spid="19"/>
+                                        </p:tgtEl>
+                                      </p:cBhvr>
+                                    </p:animEffect>
+                                  </p:childTnLst>
+                                </p:cTn>
+                              </p:par>
+                              <p:par>
+                                <p:cTn id="20" presetID="10" presetClass="entr" presetSubtype="0" fill="hold" grpId="0" nodeType="withEffect">
+                                  <p:stCondLst>
+                                    <p:cond delay="0"/>
+                                  </p:stCondLst>
+                                  <p:childTnLst>
+                                    <p:set>
+                                      <p:cBhvr>
+                                        <p:cTn id="21" dur="1" fill="hold">
+                                          <p:stCondLst>
+                                            <p:cond delay="0"/>
+                                          </p:stCondLst>
+                                        </p:cTn>
+                                        <p:tgtEl>
+                                          <p:spTgt spid="20"/>
+                                        </p:tgtEl>
+                                        <p:attrNameLst>
+                                          <p:attrName>style.visibility</p:attrName>
+                                        </p:attrNameLst>
+                                      </p:cBhvr>
+                                      <p:to>
+                                        <p:strVal val="visible"/>
+                                      </p:to>
+                                    </p:set>
+                                    <p:animEffect transition="in" filter="fade">
+                                      <p:cBhvr>
+                                        <p:cTn id="22" dur="500"/>
+                                        <p:tgtEl>
+                                          <p:spTgt spid="20"/>
+                                        </p:tgtEl>
+                                      </p:cBhvr>
+                                    </p:animEffect>
+                                  </p:childTnLst>
+                                </p:cTn>
+                              </p:par>
+                              <p:par>
+                                <p:cTn id="23" presetID="10" presetClass="entr" presetSubtype="0" fill="hold" grpId="0" nodeType="withEffect">
+                                  <p:stCondLst>
+                                    <p:cond delay="0"/>
+                                  </p:stCondLst>
+                                  <p:childTnLst>
+                                    <p:set>
+                                      <p:cBhvr>
+                                        <p:cTn id="24" dur="1" fill="hold">
                                           <p:stCondLst>
                                             <p:cond delay="0"/>
                                           </p:stCondLst>
@@ -4685,123 +5114,9 @@
                                     </p:set>
                                     <p:animEffect transition="in" filter="fade">
                                       <p:cBhvr>
-                                        <p:cTn id="7" dur="500"/>
+                                        <p:cTn id="25" dur="500"/>
                                         <p:tgtEl>
                                           <p:spTgt spid="9"/>
-                                        </p:tgtEl>
-                                      </p:cBhvr>
-                                    </p:animEffect>
-                                  </p:childTnLst>
-                                </p:cTn>
-                              </p:par>
-                            </p:childTnLst>
-                          </p:cTn>
-                        </p:par>
-                        <p:par>
-                          <p:cTn id="8" fill="hold">
-                            <p:stCondLst>
-                              <p:cond delay="500"/>
-                            </p:stCondLst>
-                            <p:childTnLst>
-                              <p:par>
-                                <p:cTn id="9" presetID="10" presetClass="entr" presetSubtype="0" fill="hold" nodeType="afterEffect">
-                                  <p:stCondLst>
-                                    <p:cond delay="0"/>
-                                  </p:stCondLst>
-                                  <p:childTnLst>
-                                    <p:set>
-                                      <p:cBhvr>
-                                        <p:cTn id="10" dur="1" fill="hold">
-                                          <p:stCondLst>
-                                            <p:cond delay="0"/>
-                                          </p:stCondLst>
-                                        </p:cTn>
-                                        <p:tgtEl>
-                                          <p:spTgt spid="10"/>
-                                        </p:tgtEl>
-                                        <p:attrNameLst>
-                                          <p:attrName>style.visibility</p:attrName>
-                                        </p:attrNameLst>
-                                      </p:cBhvr>
-                                      <p:to>
-                                        <p:strVal val="visible"/>
-                                      </p:to>
-                                    </p:set>
-                                    <p:animEffect transition="in" filter="fade">
-                                      <p:cBhvr>
-                                        <p:cTn id="11" dur="500"/>
-                                        <p:tgtEl>
-                                          <p:spTgt spid="10"/>
-                                        </p:tgtEl>
-                                      </p:cBhvr>
-                                    </p:animEffect>
-                                  </p:childTnLst>
-                                </p:cTn>
-                              </p:par>
-                              <p:par>
-                                <p:cTn id="12" presetID="10" presetClass="entr" presetSubtype="0" fill="hold" nodeType="withEffect">
-                                  <p:stCondLst>
-                                    <p:cond delay="0"/>
-                                  </p:stCondLst>
-                                  <p:childTnLst>
-                                    <p:set>
-                                      <p:cBhvr>
-                                        <p:cTn id="13" dur="1" fill="hold">
-                                          <p:stCondLst>
-                                            <p:cond delay="0"/>
-                                          </p:stCondLst>
-                                        </p:cTn>
-                                        <p:tgtEl>
-                                          <p:spTgt spid="12"/>
-                                        </p:tgtEl>
-                                        <p:attrNameLst>
-                                          <p:attrName>style.visibility</p:attrName>
-                                        </p:attrNameLst>
-                                      </p:cBhvr>
-                                      <p:to>
-                                        <p:strVal val="visible"/>
-                                      </p:to>
-                                    </p:set>
-                                    <p:animEffect transition="in" filter="fade">
-                                      <p:cBhvr>
-                                        <p:cTn id="14" dur="500"/>
-                                        <p:tgtEl>
-                                          <p:spTgt spid="12"/>
-                                        </p:tgtEl>
-                                      </p:cBhvr>
-                                    </p:animEffect>
-                                  </p:childTnLst>
-                                </p:cTn>
-                              </p:par>
-                              <p:par>
-                                <p:cTn id="15" presetID="10" presetClass="entr" presetSubtype="0" fill="hold" nodeType="withEffect">
-                                  <p:stCondLst>
-                                    <p:cond delay="0"/>
-                                  </p:stCondLst>
-                                  <p:childTnLst>
-                                    <p:set>
-                                      <p:cBhvr>
-                                        <p:cTn id="16" dur="1" fill="hold">
-                                          <p:stCondLst>
-                                            <p:cond delay="0"/>
-                                          </p:stCondLst>
-                                        </p:cTn>
-                                        <p:tgtEl>
-                                          <p:spTgt spid="11"/>
-                                        </p:tgtEl>
-                                        <p:attrNameLst>
-                                          <p:attrName>style.visibility</p:attrName>
-                                        </p:attrNameLst>
-                                      </p:cBhvr>
-                                      <p:to>
-                                        <p:strVal val="visible"/>
-                                      </p:to>
-                                    </p:set>
-                                    <p:animEffect transition="in" filter="fade">
-                                      <p:cBhvr>
-                                        <p:cTn id="17" dur="500"/>
-                                        <p:tgtEl>
-                                          <p:spTgt spid="11"/>
                                         </p:tgtEl>
                                       </p:cBhvr>
                                     </p:animEffect>
@@ -4837,6 +5152,9 @@
     </p:tnLst>
     <p:bldLst>
       <p:bldP spid="9" grpId="0" animBg="1"/>
+      <p:bldP spid="16" grpId="0"/>
+      <p:bldP spid="19" grpId="0"/>
+      <p:bldP spid="20" grpId="0"/>
     </p:bldLst>
   </p:timing>
 </p:sld>

--- a/pristatymas LIT2133421.pptx
+++ b/pristatymas LIT2133421.pptx
@@ -7,13 +7,12 @@
   <p:sldIdLst>
     <p:sldId id="256" r:id="rId2"/>
     <p:sldId id="257" r:id="rId3"/>
-    <p:sldId id="265" r:id="rId4"/>
-    <p:sldId id="269" r:id="rId5"/>
-    <p:sldId id="260" r:id="rId6"/>
-    <p:sldId id="264" r:id="rId7"/>
-    <p:sldId id="266" r:id="rId8"/>
-    <p:sldId id="267" r:id="rId9"/>
-    <p:sldId id="268" r:id="rId10"/>
+    <p:sldId id="269" r:id="rId4"/>
+    <p:sldId id="260" r:id="rId5"/>
+    <p:sldId id="264" r:id="rId6"/>
+    <p:sldId id="267" r:id="rId7"/>
+    <p:sldId id="268" r:id="rId8"/>
+    <p:sldId id="266" r:id="rId9"/>
   </p:sldIdLst>
   <p:sldSz cx="12192000" cy="6858000"/>
   <p:notesSz cx="6858000" cy="9144000"/>
@@ -117,7 +116,7 @@
 
 <file path=ppt/commentAuthors.xml><?xml version="1.0" encoding="utf-8"?>
 <p:cmAuthorLst xmlns:a="http://schemas.openxmlformats.org/drawingml/2006/main" xmlns:r="http://schemas.openxmlformats.org/officeDocument/2006/relationships" xmlns:p="http://schemas.openxmlformats.org/presentationml/2006/main">
-  <p:cmAuthor id="1" name="Ieva Ž." initials="IŽ" lastIdx="2" clrIdx="0">
+  <p:cmAuthor id="1" name="Ieva Ž." initials="IŽ" lastIdx="4" clrIdx="0">
     <p:extLst>
       <p:ext uri="{19B8F6BF-5375-455C-9EA6-DF929625EA0E}">
         <p15:presenceInfo xmlns:p15="http://schemas.microsoft.com/office/powerpoint/2012/main" userId="10ed567ad21478c1" providerId="Windows Live"/>
@@ -129,9 +128,18 @@
 
 <file path=ppt/comments/comment1.xml><?xml version="1.0" encoding="utf-8"?>
 <p:cmLst xmlns:a="http://schemas.openxmlformats.org/drawingml/2006/main" xmlns:r="http://schemas.openxmlformats.org/officeDocument/2006/relationships" xmlns:p="http://schemas.openxmlformats.org/presentationml/2006/main">
-  <p:cm authorId="1" dt="2020-09-19T21:21:54.001" idx="2">
+  <p:cm authorId="1" dt="2020-09-20T10:36:02.642" idx="3">
     <p:pos x="10" y="10"/>
-    <p:text>šitos skaidrės gal ir nereikia</p:text>
+    <p:text>Backbone of the nework - EfficientNets.  BiFPN (bi-deirectional feature pyramid network) serves as the feature network, which takes level 3-7 features {P3, P4, P5, P6, P7} from the backbone network and repeatedly applies top-down and bottom-up bidirectional feature fusion. These fused features are fed to a class and box network to produce object class and bounding box predictions respectively. The class and box network weights are shared across all levels of features.</p:text>
+    <p:extLst>
+      <p:ext uri="{C676402C-5697-4E1C-873F-D02D1690AC5C}">
+        <p15:threadingInfo xmlns:p15="http://schemas.microsoft.com/office/powerpoint/2012/main" timeZoneBias="-180"/>
+      </p:ext>
+    </p:extLst>
+  </p:cm>
+  <p:cm authorId="1" dt="2020-09-20T11:09:15.344" idx="4">
+    <p:pos x="146" y="146"/>
+    <p:text>EfficinetNet - advanced convolutional neural network</p:text>
     <p:extLst>
       <p:ext uri="{C676402C-5697-4E1C-873F-D02D1690AC5C}">
         <p15:threadingInfo xmlns:p15="http://schemas.microsoft.com/office/powerpoint/2012/main" timeZoneBias="-180"/>
@@ -3239,67 +3247,7 @@
         </p:blipFill>
         <p:spPr>
           <a:xfrm>
-            <a:off x="1108562" y="2937727"/>
-            <a:ext cx="3292007" cy="3292007"/>
-          </a:xfrm>
-          <a:prstGeom prst="rect">
-            <a:avLst/>
-          </a:prstGeom>
-        </p:spPr>
-      </p:pic>
-      <p:pic>
-        <p:nvPicPr>
-          <p:cNvPr id="8" name="Paveikslėlis 7"/>
-          <p:cNvPicPr>
-            <a:picLocks noChangeAspect="1"/>
-          </p:cNvPicPr>
-          <p:nvPr/>
-        </p:nvPicPr>
-        <p:blipFill>
-          <a:blip r:embed="rId3">
-            <a:extLst>
-              <a:ext uri="{28A0092B-C50C-407E-A947-70E740481C1C}">
-                <a14:useLocalDpi xmlns:a14="http://schemas.microsoft.com/office/drawing/2010/main" val="0"/>
-              </a:ext>
-            </a:extLst>
-          </a:blip>
-          <a:stretch>
-            <a:fillRect/>
-          </a:stretch>
-        </p:blipFill>
-        <p:spPr>
-          <a:xfrm>
-            <a:off x="4400569" y="2937728"/>
-            <a:ext cx="3292007" cy="3292007"/>
-          </a:xfrm>
-          <a:prstGeom prst="rect">
-            <a:avLst/>
-          </a:prstGeom>
-        </p:spPr>
-      </p:pic>
-      <p:pic>
-        <p:nvPicPr>
-          <p:cNvPr id="9" name="Paveikslėlis 8"/>
-          <p:cNvPicPr>
-            <a:picLocks noChangeAspect="1"/>
-          </p:cNvPicPr>
-          <p:nvPr/>
-        </p:nvPicPr>
-        <p:blipFill>
-          <a:blip r:embed="rId4">
-            <a:extLst>
-              <a:ext uri="{28A0092B-C50C-407E-A947-70E740481C1C}">
-                <a14:useLocalDpi xmlns:a14="http://schemas.microsoft.com/office/drawing/2010/main" val="0"/>
-              </a:ext>
-            </a:extLst>
-          </a:blip>
-          <a:stretch>
-            <a:fillRect/>
-          </a:stretch>
-        </p:blipFill>
-        <p:spPr>
-          <a:xfrm>
-            <a:off x="7692576" y="2937726"/>
+            <a:off x="632637" y="2937726"/>
             <a:ext cx="3292007" cy="3292007"/>
           </a:xfrm>
           <a:prstGeom prst="rect">
@@ -4052,6 +4000,66 @@
           </a:p>
         </p:txBody>
       </p:sp>
+      <p:pic>
+        <p:nvPicPr>
+          <p:cNvPr id="36" name="Paveikslėlis 35"/>
+          <p:cNvPicPr>
+            <a:picLocks noChangeAspect="1"/>
+          </p:cNvPicPr>
+          <p:nvPr/>
+        </p:nvPicPr>
+        <p:blipFill>
+          <a:blip r:embed="rId3">
+            <a:extLst>
+              <a:ext uri="{28A0092B-C50C-407E-A947-70E740481C1C}">
+                <a14:useLocalDpi xmlns:a14="http://schemas.microsoft.com/office/drawing/2010/main" val="0"/>
+              </a:ext>
+            </a:extLst>
+          </a:blip>
+          <a:stretch>
+            <a:fillRect/>
+          </a:stretch>
+        </p:blipFill>
+        <p:spPr>
+          <a:xfrm>
+            <a:off x="7585433" y="3368353"/>
+            <a:ext cx="4011346" cy="2430754"/>
+          </a:xfrm>
+          <a:prstGeom prst="rect">
+            <a:avLst/>
+          </a:prstGeom>
+        </p:spPr>
+      </p:pic>
+      <p:pic>
+        <p:nvPicPr>
+          <p:cNvPr id="37" name="Paveikslėlis 36"/>
+          <p:cNvPicPr>
+            <a:picLocks noChangeAspect="1"/>
+          </p:cNvPicPr>
+          <p:nvPr/>
+        </p:nvPicPr>
+        <p:blipFill>
+          <a:blip r:embed="rId4" cstate="print">
+            <a:extLst>
+              <a:ext uri="{28A0092B-C50C-407E-A947-70E740481C1C}">
+                <a14:useLocalDpi xmlns:a14="http://schemas.microsoft.com/office/drawing/2010/main" val="0"/>
+              </a:ext>
+            </a:extLst>
+          </a:blip>
+          <a:stretch>
+            <a:fillRect/>
+          </a:stretch>
+        </p:blipFill>
+        <p:spPr>
+          <a:xfrm>
+            <a:off x="4125473" y="2937725"/>
+            <a:ext cx="3292007" cy="3292007"/>
+          </a:xfrm>
+          <a:prstGeom prst="rect">
+            <a:avLst/>
+          </a:prstGeom>
+        </p:spPr>
+      </p:pic>
     </p:spTree>
     <p:extLst>
       <p:ext uri="{BB962C8B-B14F-4D97-AF65-F5344CB8AC3E}">
@@ -4089,16 +4097,45 @@
           <a:chExt cx="0" cy="0"/>
         </a:xfrm>
       </p:grpSpPr>
-      <p:sp>
-        <p:nvSpPr>
-          <p:cNvPr id="11" name="TextBox 10"/>
+      <p:pic>
+        <p:nvPicPr>
+          <p:cNvPr id="5" name="Paveikslėlis 4"/>
+          <p:cNvPicPr>
+            <a:picLocks noChangeAspect="1"/>
+          </p:cNvPicPr>
+          <p:nvPr/>
+        </p:nvPicPr>
+        <p:blipFill rotWithShape="1">
+          <a:blip r:embed="rId2">
+            <a:extLst>
+              <a:ext uri="{28A0092B-C50C-407E-A947-70E740481C1C}">
+                <a14:useLocalDpi xmlns:a14="http://schemas.microsoft.com/office/drawing/2010/main" val="0"/>
+              </a:ext>
+            </a:extLst>
+          </a:blip>
+          <a:srcRect t="19265" b="27191"/>
+          <a:stretch/>
+        </p:blipFill>
+        <p:spPr>
+          <a:xfrm>
+            <a:off x="2983464" y="3240000"/>
+            <a:ext cx="5715000" cy="3060000"/>
+          </a:xfrm>
+          <a:prstGeom prst="rect">
+            <a:avLst/>
+          </a:prstGeom>
+        </p:spPr>
+      </p:pic>
+      <p:sp>
+        <p:nvSpPr>
+          <p:cNvPr id="3" name="TextBox 2"/>
           <p:cNvSpPr txBox="1"/>
           <p:nvPr/>
         </p:nvSpPr>
         <p:spPr>
           <a:xfrm>
-            <a:off x="214605" y="205273"/>
-            <a:ext cx="11719248" cy="769441"/>
+            <a:off x="326572" y="363894"/>
+            <a:ext cx="11290041" cy="2800767"/>
           </a:xfrm>
           <a:prstGeom prst="rect">
             <a:avLst/>
@@ -4127,7 +4164,7 @@
                   </a:outerShdw>
                 </a:effectLst>
               </a:rPr>
-              <a:t>TIKSLAS</a:t>
+              <a:t>NAUDA</a:t>
             </a:r>
             <a:r>
               <a:rPr lang="lt-LT" sz="4400" dirty="0" smtClean="0">
@@ -4137,222 +4174,13 @@
                   </a:schemeClr>
                 </a:solidFill>
               </a:rPr>
-              <a:t> iš AFM nuotraukų išskirti struktūras. </a:t>
+              <a:t>: Pateikta statistika leidžia efektyviau priimti sprendimus kuriant jutiklius skirtus nustatyti poras formuojančių toksinus ir diagnozuoti bakterines infekcijas.</a:t>
             </a:r>
             <a:endParaRPr lang="en-GB" sz="4400" dirty="0">
               <a:solidFill>
                 <a:schemeClr val="tx2">
                   <a:lumMod val="75000"/>
                 </a:schemeClr>
-              </a:solidFill>
-            </a:endParaRPr>
-          </a:p>
-        </p:txBody>
-      </p:sp>
-      <p:pic>
-        <p:nvPicPr>
-          <p:cNvPr id="37" name="Paveikslėlis 36"/>
-          <p:cNvPicPr>
-            <a:picLocks noChangeAspect="1"/>
-          </p:cNvPicPr>
-          <p:nvPr/>
-        </p:nvPicPr>
-        <p:blipFill>
-          <a:blip r:embed="rId2">
-            <a:extLst>
-              <a:ext uri="{28A0092B-C50C-407E-A947-70E740481C1C}">
-                <a14:useLocalDpi xmlns:a14="http://schemas.microsoft.com/office/drawing/2010/main" val="0"/>
-              </a:ext>
-            </a:extLst>
-          </a:blip>
-          <a:stretch>
-            <a:fillRect/>
-          </a:stretch>
-        </p:blipFill>
-        <p:spPr>
-          <a:xfrm>
-            <a:off x="1569430" y="2024744"/>
-            <a:ext cx="4243542" cy="4243540"/>
-          </a:xfrm>
-          <a:prstGeom prst="rect">
-            <a:avLst/>
-          </a:prstGeom>
-        </p:spPr>
-      </p:pic>
-      <p:pic>
-        <p:nvPicPr>
-          <p:cNvPr id="39" name="Paveikslėlis 38"/>
-          <p:cNvPicPr>
-            <a:picLocks noChangeAspect="1"/>
-          </p:cNvPicPr>
-          <p:nvPr/>
-        </p:nvPicPr>
-        <p:blipFill>
-          <a:blip r:embed="rId3">
-            <a:extLst>
-              <a:ext uri="{28A0092B-C50C-407E-A947-70E740481C1C}">
-                <a14:useLocalDpi xmlns:a14="http://schemas.microsoft.com/office/drawing/2010/main" val="0"/>
-              </a:ext>
-            </a:extLst>
-          </a:blip>
-          <a:stretch>
-            <a:fillRect/>
-          </a:stretch>
-        </p:blipFill>
-        <p:spPr>
-          <a:xfrm>
-            <a:off x="6586148" y="2084986"/>
-            <a:ext cx="4358660" cy="4123056"/>
-          </a:xfrm>
-          <a:prstGeom prst="rect">
-            <a:avLst/>
-          </a:prstGeom>
-        </p:spPr>
-      </p:pic>
-      <p:sp>
-        <p:nvSpPr>
-          <p:cNvPr id="40" name="TextBox 39"/>
-          <p:cNvSpPr txBox="1"/>
-          <p:nvPr/>
-        </p:nvSpPr>
-        <p:spPr>
-          <a:xfrm>
-            <a:off x="214605" y="974714"/>
-            <a:ext cx="11719248" cy="646331"/>
-          </a:xfrm>
-          <a:prstGeom prst="rect">
-            <a:avLst/>
-          </a:prstGeom>
-          <a:noFill/>
-        </p:spPr>
-        <p:txBody>
-          <a:bodyPr wrap="square" rtlCol="0">
-            <a:spAutoFit/>
-          </a:bodyPr>
-          <a:lstStyle/>
-          <a:p>
-            <a:pPr algn="ctr"/>
-            <a:r>
-              <a:rPr lang="lt-LT" sz="3600" dirty="0" smtClean="0">
-                <a:solidFill>
-                  <a:schemeClr val="tx2">
-                    <a:lumMod val="75000"/>
-                  </a:schemeClr>
-                </a:solidFill>
-              </a:rPr>
-              <a:t>Pateikti vartotojui rastų struktūrų statistiką bei koordinates.</a:t>
-            </a:r>
-            <a:endParaRPr lang="en-GB" sz="3600" dirty="0">
-              <a:solidFill>
-                <a:schemeClr val="tx2">
-                  <a:lumMod val="75000"/>
-                </a:schemeClr>
-              </a:solidFill>
-            </a:endParaRPr>
-          </a:p>
-        </p:txBody>
-      </p:sp>
-    </p:spTree>
-    <p:extLst>
-      <p:ext uri="{BB962C8B-B14F-4D97-AF65-F5344CB8AC3E}">
-        <p14:creationId xmlns:p14="http://schemas.microsoft.com/office/powerpoint/2010/main" val="1430218252"/>
-      </p:ext>
-    </p:extLst>
-  </p:cSld>
-  <p:clrMapOvr>
-    <a:masterClrMapping/>
-  </p:clrMapOvr>
-  <p:timing>
-    <p:tnLst>
-      <p:par>
-        <p:cTn id="1" dur="indefinite" restart="never" nodeType="tmRoot"/>
-      </p:par>
-    </p:tnLst>
-  </p:timing>
-</p:sld>
-</file>
-
-<file path=ppt/slides/slide4.xml><?xml version="1.0" encoding="utf-8"?>
-<p:sld xmlns:a="http://schemas.openxmlformats.org/drawingml/2006/main" xmlns:r="http://schemas.openxmlformats.org/officeDocument/2006/relationships" xmlns:p="http://schemas.openxmlformats.org/presentationml/2006/main">
-  <p:cSld>
-    <p:spTree>
-      <p:nvGrpSpPr>
-        <p:cNvPr id="1" name=""/>
-        <p:cNvGrpSpPr/>
-        <p:nvPr/>
-      </p:nvGrpSpPr>
-      <p:grpSpPr>
-        <a:xfrm>
-          <a:off x="0" y="0"/>
-          <a:ext cx="0" cy="0"/>
-          <a:chOff x="0" y="0"/>
-          <a:chExt cx="0" cy="0"/>
-        </a:xfrm>
-      </p:grpSpPr>
-      <p:sp>
-        <p:nvSpPr>
-          <p:cNvPr id="2" name="Pavadinimas 1"/>
-          <p:cNvSpPr>
-            <a:spLocks noGrp="1"/>
-          </p:cNvSpPr>
-          <p:nvPr>
-            <p:ph type="title"/>
-          </p:nvPr>
-        </p:nvSpPr>
-        <p:spPr/>
-        <p:txBody>
-          <a:bodyPr/>
-          <a:lstStyle/>
-          <a:p>
-            <a:r>
-              <a:rPr lang="lt-LT" dirty="0" smtClean="0"/>
-              <a:t>Kokia iš to nauda?</a:t>
-            </a:r>
-            <a:endParaRPr lang="en-GB" dirty="0"/>
-          </a:p>
-        </p:txBody>
-      </p:sp>
-      <p:sp>
-        <p:nvSpPr>
-          <p:cNvPr id="3" name="TextBox 2"/>
-          <p:cNvSpPr txBox="1"/>
-          <p:nvPr/>
-        </p:nvSpPr>
-        <p:spPr>
-          <a:xfrm>
-            <a:off x="998376" y="1838131"/>
-            <a:ext cx="4152122" cy="369332"/>
-          </a:xfrm>
-          <a:prstGeom prst="rect">
-            <a:avLst/>
-          </a:prstGeom>
-          <a:noFill/>
-        </p:spPr>
-        <p:txBody>
-          <a:bodyPr wrap="square" rtlCol="0">
-            <a:spAutoFit/>
-          </a:bodyPr>
-          <a:lstStyle/>
-          <a:p>
-            <a:r>
-              <a:rPr lang="lt-LT" i="1" dirty="0" smtClean="0">
-                <a:solidFill>
-                  <a:srgbClr val="FF0000"/>
-                </a:solidFill>
-              </a:rPr>
-              <a:t>Reik ką nors </a:t>
-            </a:r>
-            <a:r>
-              <a:rPr lang="lt-LT" i="1" dirty="0" err="1" smtClean="0">
-                <a:solidFill>
-                  <a:srgbClr val="FF0000"/>
-                </a:solidFill>
-              </a:rPr>
-              <a:t>pridėt</a:t>
-            </a:r>
-            <a:endParaRPr lang="en-GB" i="1" dirty="0">
-              <a:solidFill>
-                <a:srgbClr val="FF0000"/>
               </a:solidFill>
             </a:endParaRPr>
           </a:p>
@@ -4378,7 +4206,7 @@
 </p:sld>
 </file>
 
-<file path=ppt/slides/slide5.xml><?xml version="1.0" encoding="utf-8"?>
+<file path=ppt/slides/slide4.xml><?xml version="1.0" encoding="utf-8"?>
 <p:sld xmlns:a="http://schemas.openxmlformats.org/drawingml/2006/main" xmlns:r="http://schemas.openxmlformats.org/officeDocument/2006/relationships" xmlns:p="http://schemas.openxmlformats.org/presentationml/2006/main">
   <p:cSld>
     <p:spTree>
@@ -4623,24 +4451,14 @@
           <a:p>
             <a:pPr algn="ctr"/>
             <a:r>
-              <a:rPr lang="lt-LT" dirty="0" err="1" smtClean="0">
+              <a:rPr lang="en-GB" dirty="0" smtClean="0">
                 <a:solidFill>
                   <a:schemeClr val="tx2">
                     <a:lumMod val="75000"/>
                   </a:schemeClr>
                 </a:solidFill>
               </a:rPr>
-              <a:t>Real</a:t>
-            </a:r>
-            <a:r>
-              <a:rPr lang="lt-LT" dirty="0" smtClean="0">
-                <a:solidFill>
-                  <a:schemeClr val="tx2">
-                    <a:lumMod val="75000"/>
-                  </a:schemeClr>
-                </a:solidFill>
-              </a:rPr>
-              <a:t> data</a:t>
+              <a:t>Real data</a:t>
             </a:r>
             <a:endParaRPr lang="en-GB" dirty="0">
               <a:solidFill>
@@ -4706,54 +4524,14 @@
           <a:p>
             <a:pPr algn="ctr"/>
             <a:r>
-              <a:rPr lang="lt-LT" sz="1600" dirty="0" err="1" smtClean="0">
+              <a:rPr lang="en-GB" sz="1600" dirty="0" smtClean="0">
                 <a:solidFill>
                   <a:schemeClr val="tx2">
                     <a:lumMod val="75000"/>
                   </a:schemeClr>
                 </a:solidFill>
               </a:rPr>
-              <a:t>Synthetic</a:t>
-            </a:r>
-            <a:r>
-              <a:rPr lang="lt-LT" sz="1600" dirty="0" smtClean="0">
-                <a:solidFill>
-                  <a:schemeClr val="tx2">
-                    <a:lumMod val="75000"/>
-                  </a:schemeClr>
-                </a:solidFill>
-              </a:rPr>
-              <a:t> data </a:t>
-            </a:r>
-            <a:r>
-              <a:rPr lang="lt-LT" sz="1600" dirty="0" err="1" smtClean="0">
-                <a:solidFill>
-                  <a:schemeClr val="tx2">
-                    <a:lumMod val="75000"/>
-                  </a:schemeClr>
-                </a:solidFill>
-              </a:rPr>
-              <a:t>with</a:t>
-            </a:r>
-            <a:r>
-              <a:rPr lang="lt-LT" sz="1600" dirty="0" smtClean="0">
-                <a:solidFill>
-                  <a:schemeClr val="tx2">
-                    <a:lumMod val="75000"/>
-                  </a:schemeClr>
-                </a:solidFill>
-              </a:rPr>
-              <a:t> </a:t>
-            </a:r>
-            <a:r>
-              <a:rPr lang="lt-LT" sz="1600" dirty="0" err="1" smtClean="0">
-                <a:solidFill>
-                  <a:schemeClr val="tx2">
-                    <a:lumMod val="75000"/>
-                  </a:schemeClr>
-                </a:solidFill>
-              </a:rPr>
-              <a:t>background</a:t>
+              <a:t>Synthetic data with background</a:t>
             </a:r>
             <a:endParaRPr lang="en-GB" sz="1600" dirty="0">
               <a:solidFill>
@@ -4789,54 +4567,14 @@
           <a:p>
             <a:pPr algn="ctr"/>
             <a:r>
-              <a:rPr lang="lt-LT" sz="1600" dirty="0" err="1" smtClean="0">
+              <a:rPr lang="en-GB" sz="1600" dirty="0" smtClean="0">
                 <a:solidFill>
                   <a:schemeClr val="tx2">
                     <a:lumMod val="75000"/>
                   </a:schemeClr>
                 </a:solidFill>
               </a:rPr>
-              <a:t>Synthetic</a:t>
-            </a:r>
-            <a:r>
-              <a:rPr lang="lt-LT" sz="1600" dirty="0" smtClean="0">
-                <a:solidFill>
-                  <a:schemeClr val="tx2">
-                    <a:lumMod val="75000"/>
-                  </a:schemeClr>
-                </a:solidFill>
-              </a:rPr>
-              <a:t> data </a:t>
-            </a:r>
-            <a:r>
-              <a:rPr lang="lt-LT" sz="1600" dirty="0" err="1" smtClean="0">
-                <a:solidFill>
-                  <a:schemeClr val="tx2">
-                    <a:lumMod val="75000"/>
-                  </a:schemeClr>
-                </a:solidFill>
-              </a:rPr>
-              <a:t>without</a:t>
-            </a:r>
-            <a:r>
-              <a:rPr lang="lt-LT" sz="1600" dirty="0" smtClean="0">
-                <a:solidFill>
-                  <a:schemeClr val="tx2">
-                    <a:lumMod val="75000"/>
-                  </a:schemeClr>
-                </a:solidFill>
-              </a:rPr>
-              <a:t> </a:t>
-            </a:r>
-            <a:r>
-              <a:rPr lang="lt-LT" sz="1600" dirty="0" err="1" smtClean="0">
-                <a:solidFill>
-                  <a:schemeClr val="tx2">
-                    <a:lumMod val="75000"/>
-                  </a:schemeClr>
-                </a:solidFill>
-              </a:rPr>
-              <a:t>background</a:t>
+              <a:t>Synthetic data without background</a:t>
             </a:r>
             <a:endParaRPr lang="en-GB" sz="1600" dirty="0">
               <a:solidFill>
@@ -5160,7 +4898,7 @@
 </p:sld>
 </file>
 
-<file path=ppt/slides/slide6.xml><?xml version="1.0" encoding="utf-8"?>
+<file path=ppt/slides/slide5.xml><?xml version="1.0" encoding="utf-8"?>
 <p:sld xmlns:a="http://schemas.openxmlformats.org/drawingml/2006/main" xmlns:r="http://schemas.openxmlformats.org/officeDocument/2006/relationships" xmlns:p="http://schemas.openxmlformats.org/presentationml/2006/main">
   <p:cSld>
     <p:spTree>
@@ -5177,83 +4915,6 @@
           <a:chExt cx="0" cy="0"/>
         </a:xfrm>
       </p:grpSpPr>
-      <p:sp>
-        <p:nvSpPr>
-          <p:cNvPr id="2" name="Pavadinimas 1"/>
-          <p:cNvSpPr>
-            <a:spLocks noGrp="1"/>
-          </p:cNvSpPr>
-          <p:nvPr>
-            <p:ph type="title"/>
-          </p:nvPr>
-        </p:nvSpPr>
-        <p:spPr/>
-        <p:txBody>
-          <a:bodyPr/>
-          <a:lstStyle/>
-          <a:p>
-            <a:r>
-              <a:rPr lang="lt-LT" dirty="0" smtClean="0"/>
-              <a:t>Rezultatai</a:t>
-            </a:r>
-            <a:endParaRPr lang="en-GB" dirty="0"/>
-          </a:p>
-        </p:txBody>
-      </p:sp>
-      <p:sp>
-        <p:nvSpPr>
-          <p:cNvPr id="7" name="TextBox 6"/>
-          <p:cNvSpPr txBox="1"/>
-          <p:nvPr/>
-        </p:nvSpPr>
-        <p:spPr>
-          <a:xfrm>
-            <a:off x="998376" y="1838131"/>
-            <a:ext cx="4152122" cy="646331"/>
-          </a:xfrm>
-          <a:prstGeom prst="rect">
-            <a:avLst/>
-          </a:prstGeom>
-          <a:noFill/>
-        </p:spPr>
-        <p:txBody>
-          <a:bodyPr wrap="square" rtlCol="0">
-            <a:spAutoFit/>
-          </a:bodyPr>
-          <a:lstStyle/>
-          <a:p>
-            <a:r>
-              <a:rPr lang="lt-LT" i="1" dirty="0" smtClean="0">
-                <a:solidFill>
-                  <a:srgbClr val="FF0000"/>
-                </a:solidFill>
-              </a:rPr>
-              <a:t>Reik ką nors </a:t>
-            </a:r>
-            <a:r>
-              <a:rPr lang="lt-LT" i="1" dirty="0" err="1" smtClean="0">
-                <a:solidFill>
-                  <a:srgbClr val="FF0000"/>
-                </a:solidFill>
-              </a:rPr>
-              <a:t>pridėt</a:t>
-            </a:r>
-            <a:r>
-              <a:rPr lang="lt-LT" i="1" dirty="0" smtClean="0">
-                <a:solidFill>
-                  <a:srgbClr val="FF0000"/>
-                </a:solidFill>
-              </a:rPr>
-              <a:t>. Gal skirti daugiau skaidrių</a:t>
-            </a:r>
-            <a:endParaRPr lang="en-GB" i="1" dirty="0">
-              <a:solidFill>
-                <a:srgbClr val="FF0000"/>
-              </a:solidFill>
-            </a:endParaRPr>
-          </a:p>
-        </p:txBody>
-      </p:sp>
     </p:spTree>
     <p:extLst>
       <p:ext uri="{BB962C8B-B14F-4D97-AF65-F5344CB8AC3E}">
@@ -5274,134 +4935,7 @@
 </p:sld>
 </file>
 
-<file path=ppt/slides/slide7.xml><?xml version="1.0" encoding="utf-8"?>
-<p:sld xmlns:a="http://schemas.openxmlformats.org/drawingml/2006/main" xmlns:r="http://schemas.openxmlformats.org/officeDocument/2006/relationships" xmlns:p="http://schemas.openxmlformats.org/presentationml/2006/main">
-  <p:cSld>
-    <p:spTree>
-      <p:nvGrpSpPr>
-        <p:cNvPr id="1" name=""/>
-        <p:cNvGrpSpPr/>
-        <p:nvPr/>
-      </p:nvGrpSpPr>
-      <p:grpSpPr>
-        <a:xfrm>
-          <a:off x="0" y="0"/>
-          <a:ext cx="0" cy="0"/>
-          <a:chOff x="0" y="0"/>
-          <a:chExt cx="0" cy="0"/>
-        </a:xfrm>
-      </p:grpSpPr>
-      <p:pic>
-        <p:nvPicPr>
-          <p:cNvPr id="3" name="Paveikslėlis 2"/>
-          <p:cNvPicPr>
-            <a:picLocks noChangeAspect="1"/>
-          </p:cNvPicPr>
-          <p:nvPr/>
-        </p:nvPicPr>
-        <p:blipFill>
-          <a:blip r:embed="rId2"/>
-          <a:stretch>
-            <a:fillRect/>
-          </a:stretch>
-        </p:blipFill>
-        <p:spPr>
-          <a:xfrm>
-            <a:off x="-1" y="2060267"/>
-            <a:ext cx="12192000" cy="4454297"/>
-          </a:xfrm>
-          <a:prstGeom prst="rect">
-            <a:avLst/>
-          </a:prstGeom>
-        </p:spPr>
-      </p:pic>
-      <p:sp>
-        <p:nvSpPr>
-          <p:cNvPr id="4" name="TextBox 3"/>
-          <p:cNvSpPr txBox="1"/>
-          <p:nvPr/>
-        </p:nvSpPr>
-        <p:spPr>
-          <a:xfrm>
-            <a:off x="676469" y="317241"/>
-            <a:ext cx="10839061" cy="1446550"/>
-          </a:xfrm>
-          <a:prstGeom prst="rect">
-            <a:avLst/>
-          </a:prstGeom>
-          <a:noFill/>
-          <a:ln w="38100">
-            <a:noFill/>
-          </a:ln>
-        </p:spPr>
-        <p:txBody>
-          <a:bodyPr wrap="square" rtlCol="0">
-            <a:spAutoFit/>
-          </a:bodyPr>
-          <a:lstStyle/>
-          <a:p>
-            <a:pPr algn="ctr"/>
-            <a:r>
-              <a:rPr lang="lt-LT" sz="4400" dirty="0" smtClean="0">
-                <a:solidFill>
-                  <a:schemeClr val="tx2">
-                    <a:lumMod val="75000"/>
-                  </a:schemeClr>
-                </a:solidFill>
-              </a:rPr>
-              <a:t>Objektų atpažinimui naudoto </a:t>
-            </a:r>
-            <a:r>
-              <a:rPr lang="lt-LT" sz="4400" i="1" dirty="0" err="1" smtClean="0">
-                <a:solidFill>
-                  <a:schemeClr val="tx2">
-                    <a:lumMod val="75000"/>
-                  </a:schemeClr>
-                </a:solidFill>
-              </a:rPr>
-              <a:t>EfficientDet</a:t>
-            </a:r>
-            <a:r>
-              <a:rPr lang="lt-LT" sz="4400" dirty="0" smtClean="0">
-                <a:solidFill>
-                  <a:schemeClr val="tx2">
-                    <a:lumMod val="75000"/>
-                  </a:schemeClr>
-                </a:solidFill>
-              </a:rPr>
-              <a:t> modelio architektūra</a:t>
-            </a:r>
-            <a:endParaRPr lang="en-GB" sz="4400" dirty="0">
-              <a:solidFill>
-                <a:schemeClr val="tx2">
-                  <a:lumMod val="75000"/>
-                </a:schemeClr>
-              </a:solidFill>
-            </a:endParaRPr>
-          </a:p>
-        </p:txBody>
-      </p:sp>
-    </p:spTree>
-    <p:extLst>
-      <p:ext uri="{BB962C8B-B14F-4D97-AF65-F5344CB8AC3E}">
-        <p14:creationId xmlns:p14="http://schemas.microsoft.com/office/powerpoint/2010/main" val="772270966"/>
-      </p:ext>
-    </p:extLst>
-  </p:cSld>
-  <p:clrMapOvr>
-    <a:masterClrMapping/>
-  </p:clrMapOvr>
-  <p:timing>
-    <p:tnLst>
-      <p:par>
-        <p:cTn id="1" dur="indefinite" restart="never" nodeType="tmRoot"/>
-      </p:par>
-    </p:tnLst>
-  </p:timing>
-</p:sld>
-</file>
-
-<file path=ppt/slides/slide8.xml><?xml version="1.0" encoding="utf-8"?>
+<file path=ppt/slides/slide6.xml><?xml version="1.0" encoding="utf-8"?>
 <p:sld xmlns:a="http://schemas.openxmlformats.org/drawingml/2006/main" xmlns:r="http://schemas.openxmlformats.org/officeDocument/2006/relationships" xmlns:p="http://schemas.openxmlformats.org/presentationml/2006/main">
   <p:cSld>
     <p:spTree>
@@ -5514,7 +5048,7 @@
 </p:sld>
 </file>
 
-<file path=ppt/slides/slide9.xml><?xml version="1.0" encoding="utf-8"?>
+<file path=ppt/slides/slide7.xml><?xml version="1.0" encoding="utf-8"?>
 <p:sld xmlns:a="http://schemas.openxmlformats.org/drawingml/2006/main" xmlns:r="http://schemas.openxmlformats.org/officeDocument/2006/relationships" xmlns:p="http://schemas.openxmlformats.org/presentationml/2006/main">
   <p:cSld>
     <p:spTree>
@@ -5531,44 +5065,54 @@
           <a:chExt cx="0" cy="0"/>
         </a:xfrm>
       </p:grpSpPr>
-      <p:sp>
-        <p:nvSpPr>
-          <p:cNvPr id="3" name="Pavadinimas 2"/>
-          <p:cNvSpPr>
-            <a:spLocks noGrp="1"/>
-          </p:cNvSpPr>
-          <p:nvPr>
-            <p:ph type="title"/>
-          </p:nvPr>
-        </p:nvSpPr>
-        <p:spPr/>
-        <p:txBody>
-          <a:bodyPr/>
-          <a:lstStyle/>
-          <a:p>
-            <a:r>
-              <a:rPr lang="lt-LT" dirty="0" smtClean="0"/>
-              <a:t>Kodėl mūsų metodas geresnis už kitus?</a:t>
-            </a:r>
-            <a:endParaRPr lang="en-GB" dirty="0"/>
-          </a:p>
-        </p:txBody>
-      </p:sp>
-      <p:sp>
-        <p:nvSpPr>
-          <p:cNvPr id="4" name="TextBox 3"/>
+      <p:pic>
+        <p:nvPicPr>
+          <p:cNvPr id="6" name="Paveikslėlis 5"/>
+          <p:cNvPicPr>
+            <a:picLocks noChangeAspect="1"/>
+          </p:cNvPicPr>
+          <p:nvPr/>
+        </p:nvPicPr>
+        <p:blipFill>
+          <a:blip r:embed="rId2" cstate="print">
+            <a:extLst>
+              <a:ext uri="{28A0092B-C50C-407E-A947-70E740481C1C}">
+                <a14:useLocalDpi xmlns:a14="http://schemas.microsoft.com/office/drawing/2010/main" val="0"/>
+              </a:ext>
+            </a:extLst>
+          </a:blip>
+          <a:stretch>
+            <a:fillRect/>
+          </a:stretch>
+        </p:blipFill>
+        <p:spPr>
+          <a:xfrm>
+            <a:off x="329909" y="1681018"/>
+            <a:ext cx="5770420" cy="3846946"/>
+          </a:xfrm>
+          <a:prstGeom prst="rect">
+            <a:avLst/>
+          </a:prstGeom>
+        </p:spPr>
+      </p:pic>
+      <p:sp>
+        <p:nvSpPr>
+          <p:cNvPr id="7" name="TextBox 6"/>
           <p:cNvSpPr txBox="1"/>
           <p:nvPr/>
         </p:nvSpPr>
         <p:spPr>
           <a:xfrm>
-            <a:off x="998376" y="1838131"/>
-            <a:ext cx="4152122" cy="369332"/>
+            <a:off x="210702" y="357015"/>
+            <a:ext cx="6008834" cy="1077218"/>
           </a:xfrm>
           <a:prstGeom prst="rect">
             <a:avLst/>
           </a:prstGeom>
           <a:noFill/>
+          <a:ln w="38100">
+            <a:noFill/>
+          </a:ln>
         </p:spPr>
         <p:txBody>
           <a:bodyPr wrap="square" rtlCol="0">
@@ -5576,34 +5120,690 @@
           </a:bodyPr>
           <a:lstStyle/>
           <a:p>
-            <a:r>
-              <a:rPr lang="lt-LT" i="1" dirty="0" smtClean="0">
+            <a:pPr algn="ctr"/>
+            <a:r>
+              <a:rPr lang="lt-LT" sz="3200" dirty="0" smtClean="0">
                 <a:solidFill>
-                  <a:srgbClr val="FF0000"/>
+                  <a:schemeClr val="tx2">
+                    <a:lumMod val="75000"/>
+                  </a:schemeClr>
                 </a:solidFill>
               </a:rPr>
-              <a:t>Reik ką nors </a:t>
-            </a:r>
-            <a:r>
-              <a:rPr lang="lt-LT" i="1" dirty="0" err="1" smtClean="0">
+              <a:t>Dabar laboratorijose AFM vaizdų analizė atrodo taip</a:t>
+            </a:r>
+            <a:endParaRPr lang="en-GB" sz="3200" dirty="0">
+              <a:solidFill>
+                <a:schemeClr val="tx2">
+                  <a:lumMod val="75000"/>
+                </a:schemeClr>
+              </a:solidFill>
+            </a:endParaRPr>
+          </a:p>
+        </p:txBody>
+      </p:sp>
+      <p:sp>
+        <p:nvSpPr>
+          <p:cNvPr id="8" name="TextBox 7"/>
+          <p:cNvSpPr txBox="1"/>
+          <p:nvPr/>
+        </p:nvSpPr>
+        <p:spPr>
+          <a:xfrm>
+            <a:off x="6219536" y="603236"/>
+            <a:ext cx="5972464" cy="584775"/>
+          </a:xfrm>
+          <a:prstGeom prst="rect">
+            <a:avLst/>
+          </a:prstGeom>
+          <a:noFill/>
+          <a:ln w="38100">
+            <a:noFill/>
+          </a:ln>
+        </p:spPr>
+        <p:txBody>
+          <a:bodyPr wrap="square" rtlCol="0">
+            <a:spAutoFit/>
+          </a:bodyPr>
+          <a:lstStyle/>
+          <a:p>
+            <a:pPr algn="ctr"/>
+            <a:r>
+              <a:rPr lang="lt-LT" sz="3200" dirty="0" smtClean="0">
                 <a:solidFill>
-                  <a:srgbClr val="FF0000"/>
+                  <a:schemeClr val="tx2">
+                    <a:lumMod val="75000"/>
+                  </a:schemeClr>
                 </a:solidFill>
               </a:rPr>
-              <a:t>pridėt</a:t>
-            </a:r>
-            <a:endParaRPr lang="en-GB" i="1" dirty="0">
+              <a:t>Su mūsų programa būtų taip</a:t>
+            </a:r>
+            <a:endParaRPr lang="en-GB" sz="3200" dirty="0">
               <a:solidFill>
-                <a:srgbClr val="FF0000"/>
+                <a:schemeClr val="tx2">
+                  <a:lumMod val="75000"/>
+                </a:schemeClr>
               </a:solidFill>
             </a:endParaRPr>
           </a:p>
         </p:txBody>
       </p:sp>
+      <p:pic>
+        <p:nvPicPr>
+          <p:cNvPr id="9" name="Paveikslėlis 8"/>
+          <p:cNvPicPr>
+            <a:picLocks noChangeAspect="1"/>
+          </p:cNvPicPr>
+          <p:nvPr/>
+        </p:nvPicPr>
+        <p:blipFill rotWithShape="1">
+          <a:blip r:embed="rId3">
+            <a:extLst>
+              <a:ext uri="{28A0092B-C50C-407E-A947-70E740481C1C}">
+                <a14:useLocalDpi xmlns:a14="http://schemas.microsoft.com/office/drawing/2010/main" val="0"/>
+              </a:ext>
+            </a:extLst>
+          </a:blip>
+          <a:srcRect l="44812" r="-392"/>
+          <a:stretch/>
+        </p:blipFill>
+        <p:spPr>
+          <a:xfrm>
+            <a:off x="7261422" y="1681018"/>
+            <a:ext cx="3812977" cy="3833631"/>
+          </a:xfrm>
+          <a:prstGeom prst="rect">
+            <a:avLst/>
+          </a:prstGeom>
+        </p:spPr>
+      </p:pic>
+      <p:grpSp>
+        <p:nvGrpSpPr>
+          <p:cNvPr id="13" name="Grupė 12"/>
+          <p:cNvGrpSpPr/>
+          <p:nvPr/>
+        </p:nvGrpSpPr>
+        <p:grpSpPr>
+          <a:xfrm>
+            <a:off x="1027290" y="5774749"/>
+            <a:ext cx="4075288" cy="702384"/>
+            <a:chOff x="1027290" y="5774749"/>
+            <a:chExt cx="4075288" cy="702384"/>
+          </a:xfrm>
+        </p:grpSpPr>
+        <p:sp>
+          <p:nvSpPr>
+            <p:cNvPr id="11" name="Stačiakampis 10"/>
+            <p:cNvSpPr/>
+            <p:nvPr/>
+          </p:nvSpPr>
+          <p:spPr>
+            <a:xfrm>
+              <a:off x="1109742" y="5774749"/>
+              <a:ext cx="3823501" cy="270933"/>
+            </a:xfrm>
+            <a:prstGeom prst="rect">
+              <a:avLst/>
+            </a:prstGeom>
+            <a:solidFill>
+              <a:srgbClr val="C00000"/>
+            </a:solidFill>
+            <a:ln>
+              <a:solidFill>
+                <a:schemeClr val="bg1"/>
+              </a:solidFill>
+            </a:ln>
+          </p:spPr>
+          <p:style>
+            <a:lnRef idx="2">
+              <a:schemeClr val="accent1">
+                <a:shade val="50000"/>
+              </a:schemeClr>
+            </a:lnRef>
+            <a:fillRef idx="1">
+              <a:schemeClr val="accent1"/>
+            </a:fillRef>
+            <a:effectRef idx="0">
+              <a:schemeClr val="accent1"/>
+            </a:effectRef>
+            <a:fontRef idx="minor">
+              <a:schemeClr val="lt1"/>
+            </a:fontRef>
+          </p:style>
+          <p:txBody>
+            <a:bodyPr rtlCol="0" anchor="ctr"/>
+            <a:lstStyle/>
+            <a:p>
+              <a:pPr algn="ctr"/>
+              <a:endParaRPr lang="en-GB"/>
+            </a:p>
+          </p:txBody>
+        </p:sp>
+        <p:sp>
+          <p:nvSpPr>
+            <p:cNvPr id="10" name="Stačiakampis 9"/>
+            <p:cNvSpPr/>
+            <p:nvPr/>
+          </p:nvSpPr>
+          <p:spPr>
+            <a:xfrm>
+              <a:off x="1109742" y="5774749"/>
+              <a:ext cx="3992836" cy="270933"/>
+            </a:xfrm>
+            <a:prstGeom prst="rect">
+              <a:avLst/>
+            </a:prstGeom>
+            <a:noFill/>
+            <a:ln>
+              <a:solidFill>
+                <a:schemeClr val="tx1">
+                  <a:lumMod val="95000"/>
+                  <a:lumOff val="5000"/>
+                </a:schemeClr>
+              </a:solidFill>
+            </a:ln>
+          </p:spPr>
+          <p:style>
+            <a:lnRef idx="2">
+              <a:schemeClr val="accent1">
+                <a:shade val="50000"/>
+              </a:schemeClr>
+            </a:lnRef>
+            <a:fillRef idx="1">
+              <a:schemeClr val="accent1"/>
+            </a:fillRef>
+            <a:effectRef idx="0">
+              <a:schemeClr val="accent1"/>
+            </a:effectRef>
+            <a:fontRef idx="minor">
+              <a:schemeClr val="lt1"/>
+            </a:fontRef>
+          </p:style>
+          <p:txBody>
+            <a:bodyPr rtlCol="0" anchor="ctr"/>
+            <a:lstStyle/>
+            <a:p>
+              <a:pPr algn="ctr"/>
+              <a:endParaRPr lang="en-GB"/>
+            </a:p>
+          </p:txBody>
+        </p:sp>
+        <p:sp>
+          <p:nvSpPr>
+            <p:cNvPr id="12" name="TextBox 11"/>
+            <p:cNvSpPr txBox="1"/>
+            <p:nvPr/>
+          </p:nvSpPr>
+          <p:spPr>
+            <a:xfrm>
+              <a:off x="1027290" y="6107801"/>
+              <a:ext cx="812800" cy="369332"/>
+            </a:xfrm>
+            <a:prstGeom prst="rect">
+              <a:avLst/>
+            </a:prstGeom>
+            <a:noFill/>
+          </p:spPr>
+          <p:txBody>
+            <a:bodyPr wrap="square" rtlCol="0">
+              <a:spAutoFit/>
+            </a:bodyPr>
+            <a:lstStyle/>
+            <a:p>
+              <a:r>
+                <a:rPr lang="lt-LT" i="1" dirty="0" smtClean="0">
+                  <a:solidFill>
+                    <a:schemeClr val="tx2">
+                      <a:lumMod val="75000"/>
+                    </a:schemeClr>
+                  </a:solidFill>
+                </a:rPr>
+                <a:t>Laikas </a:t>
+              </a:r>
+              <a:endParaRPr lang="en-GB" i="1" dirty="0">
+                <a:solidFill>
+                  <a:schemeClr val="tx2">
+                    <a:lumMod val="75000"/>
+                  </a:schemeClr>
+                </a:solidFill>
+              </a:endParaRPr>
+            </a:p>
+          </p:txBody>
+        </p:sp>
+      </p:grpSp>
+      <p:grpSp>
+        <p:nvGrpSpPr>
+          <p:cNvPr id="14" name="Grupė 13"/>
+          <p:cNvGrpSpPr/>
+          <p:nvPr/>
+        </p:nvGrpSpPr>
+        <p:grpSpPr>
+          <a:xfrm>
+            <a:off x="7130266" y="5774749"/>
+            <a:ext cx="4075288" cy="702384"/>
+            <a:chOff x="1027290" y="5774749"/>
+            <a:chExt cx="4075288" cy="702384"/>
+          </a:xfrm>
+        </p:grpSpPr>
+        <p:sp>
+          <p:nvSpPr>
+            <p:cNvPr id="15" name="Stačiakampis 14"/>
+            <p:cNvSpPr/>
+            <p:nvPr/>
+          </p:nvSpPr>
+          <p:spPr>
+            <a:xfrm>
+              <a:off x="1109743" y="5774749"/>
+              <a:ext cx="48703" cy="270933"/>
+            </a:xfrm>
+            <a:prstGeom prst="rect">
+              <a:avLst/>
+            </a:prstGeom>
+            <a:solidFill>
+              <a:srgbClr val="00B050"/>
+            </a:solidFill>
+            <a:ln>
+              <a:solidFill>
+                <a:schemeClr val="bg1"/>
+              </a:solidFill>
+            </a:ln>
+          </p:spPr>
+          <p:style>
+            <a:lnRef idx="2">
+              <a:schemeClr val="accent1">
+                <a:shade val="50000"/>
+              </a:schemeClr>
+            </a:lnRef>
+            <a:fillRef idx="1">
+              <a:schemeClr val="accent1"/>
+            </a:fillRef>
+            <a:effectRef idx="0">
+              <a:schemeClr val="accent1"/>
+            </a:effectRef>
+            <a:fontRef idx="minor">
+              <a:schemeClr val="lt1"/>
+            </a:fontRef>
+          </p:style>
+          <p:txBody>
+            <a:bodyPr rtlCol="0" anchor="ctr"/>
+            <a:lstStyle/>
+            <a:p>
+              <a:pPr algn="ctr"/>
+              <a:endParaRPr lang="en-GB"/>
+            </a:p>
+          </p:txBody>
+        </p:sp>
+        <p:sp>
+          <p:nvSpPr>
+            <p:cNvPr id="16" name="Stačiakampis 15"/>
+            <p:cNvSpPr/>
+            <p:nvPr/>
+          </p:nvSpPr>
+          <p:spPr>
+            <a:xfrm>
+              <a:off x="1109742" y="5774749"/>
+              <a:ext cx="3992836" cy="270933"/>
+            </a:xfrm>
+            <a:prstGeom prst="rect">
+              <a:avLst/>
+            </a:prstGeom>
+            <a:noFill/>
+            <a:ln>
+              <a:solidFill>
+                <a:schemeClr val="tx1">
+                  <a:lumMod val="95000"/>
+                  <a:lumOff val="5000"/>
+                </a:schemeClr>
+              </a:solidFill>
+            </a:ln>
+          </p:spPr>
+          <p:style>
+            <a:lnRef idx="2">
+              <a:schemeClr val="accent1">
+                <a:shade val="50000"/>
+              </a:schemeClr>
+            </a:lnRef>
+            <a:fillRef idx="1">
+              <a:schemeClr val="accent1"/>
+            </a:fillRef>
+            <a:effectRef idx="0">
+              <a:schemeClr val="accent1"/>
+            </a:effectRef>
+            <a:fontRef idx="minor">
+              <a:schemeClr val="lt1"/>
+            </a:fontRef>
+          </p:style>
+          <p:txBody>
+            <a:bodyPr rtlCol="0" anchor="ctr"/>
+            <a:lstStyle/>
+            <a:p>
+              <a:pPr algn="ctr"/>
+              <a:endParaRPr lang="en-GB"/>
+            </a:p>
+          </p:txBody>
+        </p:sp>
+        <p:sp>
+          <p:nvSpPr>
+            <p:cNvPr id="17" name="TextBox 16"/>
+            <p:cNvSpPr txBox="1"/>
+            <p:nvPr/>
+          </p:nvSpPr>
+          <p:spPr>
+            <a:xfrm>
+              <a:off x="1027290" y="6107801"/>
+              <a:ext cx="812800" cy="369332"/>
+            </a:xfrm>
+            <a:prstGeom prst="rect">
+              <a:avLst/>
+            </a:prstGeom>
+            <a:noFill/>
+          </p:spPr>
+          <p:txBody>
+            <a:bodyPr wrap="square" rtlCol="0">
+              <a:spAutoFit/>
+            </a:bodyPr>
+            <a:lstStyle/>
+            <a:p>
+              <a:r>
+                <a:rPr lang="lt-LT" i="1" dirty="0" smtClean="0">
+                  <a:solidFill>
+                    <a:schemeClr val="tx2">
+                      <a:lumMod val="75000"/>
+                    </a:schemeClr>
+                  </a:solidFill>
+                </a:rPr>
+                <a:t>Laikas</a:t>
+              </a:r>
+              <a:endParaRPr lang="en-GB" i="1" dirty="0">
+                <a:solidFill>
+                  <a:schemeClr val="tx2">
+                    <a:lumMod val="75000"/>
+                  </a:schemeClr>
+                </a:solidFill>
+              </a:endParaRPr>
+            </a:p>
+          </p:txBody>
+        </p:sp>
+      </p:grpSp>
     </p:spTree>
     <p:extLst>
       <p:ext uri="{BB962C8B-B14F-4D97-AF65-F5344CB8AC3E}">
         <p14:creationId xmlns:p14="http://schemas.microsoft.com/office/powerpoint/2010/main" val="774535411"/>
+      </p:ext>
+    </p:extLst>
+  </p:cSld>
+  <p:clrMapOvr>
+    <a:masterClrMapping/>
+  </p:clrMapOvr>
+  <p:timing>
+    <p:tnLst>
+      <p:par>
+        <p:cTn id="1" dur="indefinite" restart="never" nodeType="tmRoot">
+          <p:childTnLst>
+            <p:seq concurrent="1" nextAc="seek">
+              <p:cTn id="2" dur="indefinite" nodeType="mainSeq">
+                <p:childTnLst>
+                  <p:par>
+                    <p:cTn id="3" fill="hold">
+                      <p:stCondLst>
+                        <p:cond delay="indefinite"/>
+                      </p:stCondLst>
+                      <p:childTnLst>
+                        <p:par>
+                          <p:cTn id="4" fill="hold">
+                            <p:stCondLst>
+                              <p:cond delay="0"/>
+                            </p:stCondLst>
+                            <p:childTnLst>
+                              <p:par>
+                                <p:cTn id="5" presetID="10" presetClass="entr" presetSubtype="0" fill="hold" grpId="0" nodeType="clickEffect">
+                                  <p:stCondLst>
+                                    <p:cond delay="0"/>
+                                  </p:stCondLst>
+                                  <p:childTnLst>
+                                    <p:set>
+                                      <p:cBhvr>
+                                        <p:cTn id="6" dur="1" fill="hold">
+                                          <p:stCondLst>
+                                            <p:cond delay="0"/>
+                                          </p:stCondLst>
+                                        </p:cTn>
+                                        <p:tgtEl>
+                                          <p:spTgt spid="8"/>
+                                        </p:tgtEl>
+                                        <p:attrNameLst>
+                                          <p:attrName>style.visibility</p:attrName>
+                                        </p:attrNameLst>
+                                      </p:cBhvr>
+                                      <p:to>
+                                        <p:strVal val="visible"/>
+                                      </p:to>
+                                    </p:set>
+                                    <p:animEffect transition="in" filter="fade">
+                                      <p:cBhvr>
+                                        <p:cTn id="7" dur="500"/>
+                                        <p:tgtEl>
+                                          <p:spTgt spid="8"/>
+                                        </p:tgtEl>
+                                      </p:cBhvr>
+                                    </p:animEffect>
+                                  </p:childTnLst>
+                                </p:cTn>
+                              </p:par>
+                              <p:par>
+                                <p:cTn id="8" presetID="10" presetClass="entr" presetSubtype="0" fill="hold" nodeType="withEffect">
+                                  <p:stCondLst>
+                                    <p:cond delay="0"/>
+                                  </p:stCondLst>
+                                  <p:childTnLst>
+                                    <p:set>
+                                      <p:cBhvr>
+                                        <p:cTn id="9" dur="1" fill="hold">
+                                          <p:stCondLst>
+                                            <p:cond delay="0"/>
+                                          </p:stCondLst>
+                                        </p:cTn>
+                                        <p:tgtEl>
+                                          <p:spTgt spid="9"/>
+                                        </p:tgtEl>
+                                        <p:attrNameLst>
+                                          <p:attrName>style.visibility</p:attrName>
+                                        </p:attrNameLst>
+                                      </p:cBhvr>
+                                      <p:to>
+                                        <p:strVal val="visible"/>
+                                      </p:to>
+                                    </p:set>
+                                    <p:animEffect transition="in" filter="fade">
+                                      <p:cBhvr>
+                                        <p:cTn id="10" dur="500"/>
+                                        <p:tgtEl>
+                                          <p:spTgt spid="9"/>
+                                        </p:tgtEl>
+                                      </p:cBhvr>
+                                    </p:animEffect>
+                                  </p:childTnLst>
+                                </p:cTn>
+                              </p:par>
+                              <p:par>
+                                <p:cTn id="11" presetID="10" presetClass="entr" presetSubtype="0" fill="hold" nodeType="withEffect">
+                                  <p:stCondLst>
+                                    <p:cond delay="0"/>
+                                  </p:stCondLst>
+                                  <p:childTnLst>
+                                    <p:set>
+                                      <p:cBhvr>
+                                        <p:cTn id="12" dur="1" fill="hold">
+                                          <p:stCondLst>
+                                            <p:cond delay="0"/>
+                                          </p:stCondLst>
+                                        </p:cTn>
+                                        <p:tgtEl>
+                                          <p:spTgt spid="14"/>
+                                        </p:tgtEl>
+                                        <p:attrNameLst>
+                                          <p:attrName>style.visibility</p:attrName>
+                                        </p:attrNameLst>
+                                      </p:cBhvr>
+                                      <p:to>
+                                        <p:strVal val="visible"/>
+                                      </p:to>
+                                    </p:set>
+                                    <p:animEffect transition="in" filter="fade">
+                                      <p:cBhvr>
+                                        <p:cTn id="13" dur="500"/>
+                                        <p:tgtEl>
+                                          <p:spTgt spid="14"/>
+                                        </p:tgtEl>
+                                      </p:cBhvr>
+                                    </p:animEffect>
+                                  </p:childTnLst>
+                                </p:cTn>
+                              </p:par>
+                            </p:childTnLst>
+                          </p:cTn>
+                        </p:par>
+                      </p:childTnLst>
+                    </p:cTn>
+                  </p:par>
+                </p:childTnLst>
+              </p:cTn>
+              <p:prevCondLst>
+                <p:cond evt="onPrev" delay="0">
+                  <p:tgtEl>
+                    <p:sldTgt/>
+                  </p:tgtEl>
+                </p:cond>
+              </p:prevCondLst>
+              <p:nextCondLst>
+                <p:cond evt="onNext" delay="0">
+                  <p:tgtEl>
+                    <p:sldTgt/>
+                  </p:tgtEl>
+                </p:cond>
+              </p:nextCondLst>
+            </p:seq>
+          </p:childTnLst>
+        </p:cTn>
+      </p:par>
+    </p:tnLst>
+    <p:bldLst>
+      <p:bldP spid="8" grpId="0"/>
+    </p:bldLst>
+  </p:timing>
+</p:sld>
+</file>
+
+<file path=ppt/slides/slide8.xml><?xml version="1.0" encoding="utf-8"?>
+<p:sld xmlns:a="http://schemas.openxmlformats.org/drawingml/2006/main" xmlns:r="http://schemas.openxmlformats.org/officeDocument/2006/relationships" xmlns:p="http://schemas.openxmlformats.org/presentationml/2006/main">
+  <p:cSld>
+    <p:spTree>
+      <p:nvGrpSpPr>
+        <p:cNvPr id="1" name=""/>
+        <p:cNvGrpSpPr/>
+        <p:nvPr/>
+      </p:nvGrpSpPr>
+      <p:grpSpPr>
+        <a:xfrm>
+          <a:off x="0" y="0"/>
+          <a:ext cx="0" cy="0"/>
+          <a:chOff x="0" y="0"/>
+          <a:chExt cx="0" cy="0"/>
+        </a:xfrm>
+      </p:grpSpPr>
+      <p:pic>
+        <p:nvPicPr>
+          <p:cNvPr id="3" name="Paveikslėlis 2"/>
+          <p:cNvPicPr>
+            <a:picLocks noChangeAspect="1"/>
+          </p:cNvPicPr>
+          <p:nvPr/>
+        </p:nvPicPr>
+        <p:blipFill>
+          <a:blip r:embed="rId2"/>
+          <a:stretch>
+            <a:fillRect/>
+          </a:stretch>
+        </p:blipFill>
+        <p:spPr>
+          <a:xfrm>
+            <a:off x="-1" y="2060267"/>
+            <a:ext cx="12192000" cy="4454297"/>
+          </a:xfrm>
+          <a:prstGeom prst="rect">
+            <a:avLst/>
+          </a:prstGeom>
+        </p:spPr>
+      </p:pic>
+      <p:sp>
+        <p:nvSpPr>
+          <p:cNvPr id="4" name="TextBox 3"/>
+          <p:cNvSpPr txBox="1"/>
+          <p:nvPr/>
+        </p:nvSpPr>
+        <p:spPr>
+          <a:xfrm>
+            <a:off x="676469" y="317241"/>
+            <a:ext cx="10839061" cy="1446550"/>
+          </a:xfrm>
+          <a:prstGeom prst="rect">
+            <a:avLst/>
+          </a:prstGeom>
+          <a:noFill/>
+          <a:ln w="38100">
+            <a:noFill/>
+          </a:ln>
+        </p:spPr>
+        <p:txBody>
+          <a:bodyPr wrap="square" rtlCol="0">
+            <a:spAutoFit/>
+          </a:bodyPr>
+          <a:lstStyle/>
+          <a:p>
+            <a:pPr algn="ctr"/>
+            <a:r>
+              <a:rPr lang="lt-LT" sz="4400" dirty="0" smtClean="0">
+                <a:solidFill>
+                  <a:schemeClr val="tx2">
+                    <a:lumMod val="75000"/>
+                  </a:schemeClr>
+                </a:solidFill>
+              </a:rPr>
+              <a:t>Objektų atpažinimui naudoto </a:t>
+            </a:r>
+            <a:r>
+              <a:rPr lang="lt-LT" sz="4400" i="1" dirty="0" err="1" smtClean="0">
+                <a:solidFill>
+                  <a:schemeClr val="tx2">
+                    <a:lumMod val="75000"/>
+                  </a:schemeClr>
+                </a:solidFill>
+              </a:rPr>
+              <a:t>EfficientDet</a:t>
+            </a:r>
+            <a:r>
+              <a:rPr lang="lt-LT" sz="4400" dirty="0" smtClean="0">
+                <a:solidFill>
+                  <a:schemeClr val="tx2">
+                    <a:lumMod val="75000"/>
+                  </a:schemeClr>
+                </a:solidFill>
+              </a:rPr>
+              <a:t> modelio architektūra</a:t>
+            </a:r>
+            <a:endParaRPr lang="en-GB" sz="4400" dirty="0">
+              <a:solidFill>
+                <a:schemeClr val="tx2">
+                  <a:lumMod val="75000"/>
+                </a:schemeClr>
+              </a:solidFill>
+            </a:endParaRPr>
+          </a:p>
+        </p:txBody>
+      </p:sp>
+    </p:spTree>
+    <p:extLst>
+      <p:ext uri="{BB962C8B-B14F-4D97-AF65-F5344CB8AC3E}">
+        <p14:creationId xmlns:p14="http://schemas.microsoft.com/office/powerpoint/2010/main" val="772270966"/>
       </p:ext>
     </p:extLst>
   </p:cSld>
